--- a/PyCasino.pptx
+++ b/PyCasino.pptx
@@ -109,6 +109,11 @@
       </a:defRPr>
     </a:lvl9pPr>
   </p:defaultTextStyle>
+  <p:extLst>
+    <p:ext uri="{EFAFB233-063F-42B5-8137-9DF3F51BA10A}">
+      <p15:sldGuideLst xmlns:p15="http://schemas.microsoft.com/office/powerpoint/2012/main"/>
+    </p:ext>
+  </p:extLst>
 </p:presentation>
 </file>
 
@@ -259,7 +264,7 @@
           <a:p>
             <a:fld id="{295DB9F9-54BA-4B7D-82D4-1DFC8C50E597}" type="datetimeFigureOut">
               <a:rPr lang="ru-RU" smtClean="0"/>
-              <a:t>03.11.2022</a:t>
+              <a:t>10.11.2022</a:t>
             </a:fld>
             <a:endParaRPr lang="ru-RU"/>
           </a:p>
@@ -457,7 +462,7 @@
           <a:p>
             <a:fld id="{295DB9F9-54BA-4B7D-82D4-1DFC8C50E597}" type="datetimeFigureOut">
               <a:rPr lang="ru-RU" smtClean="0"/>
-              <a:t>03.11.2022</a:t>
+              <a:t>10.11.2022</a:t>
             </a:fld>
             <a:endParaRPr lang="ru-RU"/>
           </a:p>
@@ -665,7 +670,7 @@
           <a:p>
             <a:fld id="{295DB9F9-54BA-4B7D-82D4-1DFC8C50E597}" type="datetimeFigureOut">
               <a:rPr lang="ru-RU" smtClean="0"/>
-              <a:t>03.11.2022</a:t>
+              <a:t>10.11.2022</a:t>
             </a:fld>
             <a:endParaRPr lang="ru-RU"/>
           </a:p>
@@ -863,7 +868,7 @@
           <a:p>
             <a:fld id="{295DB9F9-54BA-4B7D-82D4-1DFC8C50E597}" type="datetimeFigureOut">
               <a:rPr lang="ru-RU" smtClean="0"/>
-              <a:t>03.11.2022</a:t>
+              <a:t>10.11.2022</a:t>
             </a:fld>
             <a:endParaRPr lang="ru-RU"/>
           </a:p>
@@ -1138,7 +1143,7 @@
           <a:p>
             <a:fld id="{295DB9F9-54BA-4B7D-82D4-1DFC8C50E597}" type="datetimeFigureOut">
               <a:rPr lang="ru-RU" smtClean="0"/>
-              <a:t>03.11.2022</a:t>
+              <a:t>10.11.2022</a:t>
             </a:fld>
             <a:endParaRPr lang="ru-RU"/>
           </a:p>
@@ -1403,7 +1408,7 @@
           <a:p>
             <a:fld id="{295DB9F9-54BA-4B7D-82D4-1DFC8C50E597}" type="datetimeFigureOut">
               <a:rPr lang="ru-RU" smtClean="0"/>
-              <a:t>03.11.2022</a:t>
+              <a:t>10.11.2022</a:t>
             </a:fld>
             <a:endParaRPr lang="ru-RU"/>
           </a:p>
@@ -1815,7 +1820,7 @@
           <a:p>
             <a:fld id="{295DB9F9-54BA-4B7D-82D4-1DFC8C50E597}" type="datetimeFigureOut">
               <a:rPr lang="ru-RU" smtClean="0"/>
-              <a:t>03.11.2022</a:t>
+              <a:t>10.11.2022</a:t>
             </a:fld>
             <a:endParaRPr lang="ru-RU"/>
           </a:p>
@@ -1956,7 +1961,7 @@
           <a:p>
             <a:fld id="{295DB9F9-54BA-4B7D-82D4-1DFC8C50E597}" type="datetimeFigureOut">
               <a:rPr lang="ru-RU" smtClean="0"/>
-              <a:t>03.11.2022</a:t>
+              <a:t>10.11.2022</a:t>
             </a:fld>
             <a:endParaRPr lang="ru-RU"/>
           </a:p>
@@ -2069,7 +2074,7 @@
           <a:p>
             <a:fld id="{295DB9F9-54BA-4B7D-82D4-1DFC8C50E597}" type="datetimeFigureOut">
               <a:rPr lang="ru-RU" smtClean="0"/>
-              <a:t>03.11.2022</a:t>
+              <a:t>10.11.2022</a:t>
             </a:fld>
             <a:endParaRPr lang="ru-RU"/>
           </a:p>
@@ -2380,7 +2385,7 @@
           <a:p>
             <a:fld id="{295DB9F9-54BA-4B7D-82D4-1DFC8C50E597}" type="datetimeFigureOut">
               <a:rPr lang="ru-RU" smtClean="0"/>
-              <a:t>03.11.2022</a:t>
+              <a:t>10.11.2022</a:t>
             </a:fld>
             <a:endParaRPr lang="ru-RU"/>
           </a:p>
@@ -2668,7 +2673,7 @@
           <a:p>
             <a:fld id="{295DB9F9-54BA-4B7D-82D4-1DFC8C50E597}" type="datetimeFigureOut">
               <a:rPr lang="ru-RU" smtClean="0"/>
-              <a:t>03.11.2022</a:t>
+              <a:t>10.11.2022</a:t>
             </a:fld>
             <a:endParaRPr lang="ru-RU"/>
           </a:p>
@@ -2909,7 +2914,7 @@
           <a:p>
             <a:fld id="{295DB9F9-54BA-4B7D-82D4-1DFC8C50E597}" type="datetimeFigureOut">
               <a:rPr lang="ru-RU" smtClean="0"/>
-              <a:t>03.11.2022</a:t>
+              <a:t>10.11.2022</a:t>
             </a:fld>
             <a:endParaRPr lang="ru-RU"/>
           </a:p>
@@ -3312,6 +3317,20 @@
 <file path=ppt/slides/slide1.xml><?xml version="1.0" encoding="utf-8"?>
 <p:sld xmlns:a="http://schemas.openxmlformats.org/drawingml/2006/main" xmlns:r="http://schemas.openxmlformats.org/officeDocument/2006/relationships" xmlns:p="http://schemas.openxmlformats.org/presentationml/2006/main">
   <p:cSld>
+    <p:bg>
+      <p:bgPr>
+        <a:blipFill dpi="0" rotWithShape="1">
+          <a:blip r:embed="rId2">
+            <a:lum/>
+          </a:blip>
+          <a:srcRect/>
+          <a:stretch>
+            <a:fillRect/>
+          </a:stretch>
+        </a:blipFill>
+        <a:effectLst/>
+      </p:bgPr>
+    </p:bg>
     <p:spTree>
       <p:nvGrpSpPr>
         <p:cNvPr id="1" name=""/>
@@ -3344,22 +3363,24 @@
         </p:nvSpPr>
         <p:spPr/>
         <p:txBody>
-          <a:bodyPr/>
-          <a:lstStyle/>
-          <a:p>
-            <a:r>
-              <a:rPr lang="en-GB" dirty="0" err="1"/>
+          <a:bodyPr>
+            <a:normAutofit/>
+          </a:bodyPr>
+          <a:lstStyle/>
+          <a:p>
+            <a:r>
+              <a:rPr lang="en-GB" sz="8000" dirty="0" err="1">
+                <a:solidFill>
+                  <a:schemeClr val="bg1"/>
+                </a:solidFill>
+              </a:rPr>
               <a:t>PyCasino</a:t>
             </a:r>
-            <a:r>
-              <a:rPr lang="ru-RU" dirty="0"/>
-              <a:t> </a:t>
-            </a:r>
-            <a:r>
-              <a:rPr lang="en-GB" dirty="0"/>
-              <a:t>Alpha</a:t>
-            </a:r>
-            <a:endParaRPr lang="ru-RU" dirty="0"/>
+            <a:endParaRPr lang="ru-RU" sz="8000" dirty="0">
+              <a:solidFill>
+                <a:schemeClr val="bg1"/>
+              </a:solidFill>
+            </a:endParaRPr>
           </a:p>
         </p:txBody>
       </p:sp>
@@ -3381,14 +3402,68 @@
         </p:nvSpPr>
         <p:spPr/>
         <p:txBody>
-          <a:bodyPr/>
-          <a:lstStyle/>
-          <a:p>
-            <a:r>
-              <a:rPr lang="en-GB" dirty="0"/>
+          <a:bodyPr>
+            <a:normAutofit/>
+          </a:bodyPr>
+          <a:lstStyle/>
+          <a:p>
+            <a:r>
+              <a:rPr lang="en-GB" sz="3200" dirty="0">
+                <a:solidFill>
+                  <a:schemeClr val="bg1"/>
+                </a:solidFill>
+              </a:rPr>
               <a:t>Free Open-Source Casino on Python</a:t>
             </a:r>
-            <a:endParaRPr lang="ru-RU" dirty="0"/>
+            <a:endParaRPr lang="ru-RU" sz="3200" dirty="0">
+              <a:solidFill>
+                <a:schemeClr val="bg1"/>
+              </a:solidFill>
+            </a:endParaRPr>
+          </a:p>
+        </p:txBody>
+      </p:sp>
+      <p:sp>
+        <p:nvSpPr>
+          <p:cNvPr id="4" name="TextBox 3">
+            <a:extLst>
+              <a:ext uri="{FF2B5EF4-FFF2-40B4-BE49-F238E27FC236}">
+                <a16:creationId xmlns:a16="http://schemas.microsoft.com/office/drawing/2014/main" id="{6F380617-4A79-9938-B5FE-A76FCA135047}"/>
+              </a:ext>
+            </a:extLst>
+          </p:cNvPr>
+          <p:cNvSpPr txBox="1"/>
+          <p:nvPr/>
+        </p:nvSpPr>
+        <p:spPr>
+          <a:xfrm>
+            <a:off x="79899" y="6320901"/>
+            <a:ext cx="2379216" cy="381740"/>
+          </a:xfrm>
+          <a:prstGeom prst="rect">
+            <a:avLst/>
+          </a:prstGeom>
+          <a:noFill/>
+        </p:spPr>
+        <p:txBody>
+          <a:bodyPr wrap="square" rtlCol="0">
+            <a:spAutoFit/>
+          </a:bodyPr>
+          <a:lstStyle/>
+          <a:p>
+            <a:r>
+              <a:rPr lang="en-GB" dirty="0">
+                <a:solidFill>
+                  <a:schemeClr val="bg1"/>
+                </a:solidFill>
+              </a:rPr>
+              <a:t>CHZX-VAGNER</a:t>
+            </a:r>
+            <a:endParaRPr lang="ru-RU" dirty="0">
+              <a:solidFill>
+                <a:schemeClr val="bg1"/>
+              </a:solidFill>
+            </a:endParaRPr>
           </a:p>
         </p:txBody>
       </p:sp>
@@ -3575,6 +3650,42 @@
           </a:p>
         </p:txBody>
       </p:sp>
+      <p:pic>
+        <p:nvPicPr>
+          <p:cNvPr id="5" name="Рисунок 4">
+            <a:extLst>
+              <a:ext uri="{FF2B5EF4-FFF2-40B4-BE49-F238E27FC236}">
+                <a16:creationId xmlns:a16="http://schemas.microsoft.com/office/drawing/2014/main" id="{257DFB92-824D-0BC1-88CA-C86E4D4B1BC8}"/>
+              </a:ext>
+            </a:extLst>
+          </p:cNvPr>
+          <p:cNvPicPr>
+            <a:picLocks noChangeAspect="1"/>
+          </p:cNvPicPr>
+          <p:nvPr/>
+        </p:nvPicPr>
+        <p:blipFill>
+          <a:blip r:embed="rId2">
+            <a:extLst>
+              <a:ext uri="{28A0092B-C50C-407E-A947-70E740481C1C}">
+                <a14:useLocalDpi xmlns:a14="http://schemas.microsoft.com/office/drawing/2010/main" val="0"/>
+              </a:ext>
+            </a:extLst>
+          </a:blip>
+          <a:stretch>
+            <a:fillRect/>
+          </a:stretch>
+        </p:blipFill>
+        <p:spPr>
+          <a:xfrm>
+            <a:off x="11224704" y="5903650"/>
+            <a:ext cx="777166" cy="777166"/>
+          </a:xfrm>
+          <a:prstGeom prst="rect">
+            <a:avLst/>
+          </a:prstGeom>
+        </p:spPr>
+      </p:pic>
     </p:spTree>
     <p:extLst>
       <p:ext uri="{BB962C8B-B14F-4D97-AF65-F5344CB8AC3E}">
@@ -3712,6 +3823,42 @@
           </a:p>
         </p:txBody>
       </p:sp>
+      <p:pic>
+        <p:nvPicPr>
+          <p:cNvPr id="4" name="Рисунок 3">
+            <a:extLst>
+              <a:ext uri="{FF2B5EF4-FFF2-40B4-BE49-F238E27FC236}">
+                <a16:creationId xmlns:a16="http://schemas.microsoft.com/office/drawing/2014/main" id="{6B2BB683-7086-C225-E4A7-25999252B19F}"/>
+              </a:ext>
+            </a:extLst>
+          </p:cNvPr>
+          <p:cNvPicPr>
+            <a:picLocks noChangeAspect="1"/>
+          </p:cNvPicPr>
+          <p:nvPr/>
+        </p:nvPicPr>
+        <p:blipFill>
+          <a:blip r:embed="rId2">
+            <a:extLst>
+              <a:ext uri="{28A0092B-C50C-407E-A947-70E740481C1C}">
+                <a14:useLocalDpi xmlns:a14="http://schemas.microsoft.com/office/drawing/2010/main" val="0"/>
+              </a:ext>
+            </a:extLst>
+          </a:blip>
+          <a:stretch>
+            <a:fillRect/>
+          </a:stretch>
+        </p:blipFill>
+        <p:spPr>
+          <a:xfrm>
+            <a:off x="11224704" y="5903650"/>
+            <a:ext cx="777166" cy="777166"/>
+          </a:xfrm>
+          <a:prstGeom prst="rect">
+            <a:avLst/>
+          </a:prstGeom>
+        </p:spPr>
+      </p:pic>
     </p:spTree>
     <p:extLst>
       <p:ext uri="{BB962C8B-B14F-4D97-AF65-F5344CB8AC3E}">
@@ -3850,9 +3997,70 @@
               <a:rPr lang="ru-RU" dirty="0"/>
               <a:t>для работы администратора с базой данных пользователей.</a:t>
             </a:r>
-          </a:p>
-        </p:txBody>
-      </p:sp>
+            <a:endParaRPr lang="en-GB" dirty="0"/>
+          </a:p>
+          <a:p>
+            <a:pPr marL="0" indent="0">
+              <a:buNone/>
+            </a:pPr>
+            <a:endParaRPr lang="en-US" dirty="0"/>
+          </a:p>
+          <a:p>
+            <a:pPr marL="0" indent="0">
+              <a:buNone/>
+            </a:pPr>
+            <a:r>
+              <a:rPr lang="ru-RU" dirty="0"/>
+              <a:t>Подробнее вы сможете ознакомиться с </a:t>
+            </a:r>
+            <a:r>
+              <a:rPr lang="en-US" dirty="0" err="1"/>
+              <a:t>PyCasino</a:t>
+            </a:r>
+            <a:r>
+              <a:rPr lang="ru-RU" dirty="0"/>
+              <a:t> сами, загрузив актуальную версию.</a:t>
+            </a:r>
+            <a:endParaRPr lang="en-GB" dirty="0"/>
+          </a:p>
+        </p:txBody>
+      </p:sp>
+      <p:pic>
+        <p:nvPicPr>
+          <p:cNvPr id="4" name="Рисунок 3">
+            <a:extLst>
+              <a:ext uri="{FF2B5EF4-FFF2-40B4-BE49-F238E27FC236}">
+                <a16:creationId xmlns:a16="http://schemas.microsoft.com/office/drawing/2014/main" id="{B127245E-56DD-8893-48A6-C81A3B8A0F90}"/>
+              </a:ext>
+            </a:extLst>
+          </p:cNvPr>
+          <p:cNvPicPr>
+            <a:picLocks noChangeAspect="1"/>
+          </p:cNvPicPr>
+          <p:nvPr/>
+        </p:nvPicPr>
+        <p:blipFill>
+          <a:blip r:embed="rId2">
+            <a:extLst>
+              <a:ext uri="{28A0092B-C50C-407E-A947-70E740481C1C}">
+                <a14:useLocalDpi xmlns:a14="http://schemas.microsoft.com/office/drawing/2010/main" val="0"/>
+              </a:ext>
+            </a:extLst>
+          </a:blip>
+          <a:stretch>
+            <a:fillRect/>
+          </a:stretch>
+        </p:blipFill>
+        <p:spPr>
+          <a:xfrm>
+            <a:off x="11224704" y="5903650"/>
+            <a:ext cx="777166" cy="777166"/>
+          </a:xfrm>
+          <a:prstGeom prst="rect">
+            <a:avLst/>
+          </a:prstGeom>
+        </p:spPr>
+      </p:pic>
     </p:spTree>
     <p:extLst>
       <p:ext uri="{BB962C8B-B14F-4D97-AF65-F5344CB8AC3E}">
@@ -3965,6 +4173,42 @@
           </a:p>
         </p:txBody>
       </p:sp>
+      <p:pic>
+        <p:nvPicPr>
+          <p:cNvPr id="4" name="Рисунок 3">
+            <a:extLst>
+              <a:ext uri="{FF2B5EF4-FFF2-40B4-BE49-F238E27FC236}">
+                <a16:creationId xmlns:a16="http://schemas.microsoft.com/office/drawing/2014/main" id="{205F636B-702C-F88B-8D88-5A8DE46093D9}"/>
+              </a:ext>
+            </a:extLst>
+          </p:cNvPr>
+          <p:cNvPicPr>
+            <a:picLocks noChangeAspect="1"/>
+          </p:cNvPicPr>
+          <p:nvPr/>
+        </p:nvPicPr>
+        <p:blipFill>
+          <a:blip r:embed="rId2">
+            <a:extLst>
+              <a:ext uri="{28A0092B-C50C-407E-A947-70E740481C1C}">
+                <a14:useLocalDpi xmlns:a14="http://schemas.microsoft.com/office/drawing/2010/main" val="0"/>
+              </a:ext>
+            </a:extLst>
+          </a:blip>
+          <a:stretch>
+            <a:fillRect/>
+          </a:stretch>
+        </p:blipFill>
+        <p:spPr>
+          <a:xfrm>
+            <a:off x="11224704" y="5903650"/>
+            <a:ext cx="777166" cy="777166"/>
+          </a:xfrm>
+          <a:prstGeom prst="rect">
+            <a:avLst/>
+          </a:prstGeom>
+        </p:spPr>
+      </p:pic>
     </p:spTree>
     <p:extLst>
       <p:ext uri="{BB962C8B-B14F-4D97-AF65-F5344CB8AC3E}">
@@ -4126,6 +4370,42 @@
           </a:p>
         </p:txBody>
       </p:sp>
+      <p:pic>
+        <p:nvPicPr>
+          <p:cNvPr id="4" name="Рисунок 3">
+            <a:extLst>
+              <a:ext uri="{FF2B5EF4-FFF2-40B4-BE49-F238E27FC236}">
+                <a16:creationId xmlns:a16="http://schemas.microsoft.com/office/drawing/2014/main" id="{3F137C9B-0CE7-543D-CA64-8942102E1E79}"/>
+              </a:ext>
+            </a:extLst>
+          </p:cNvPr>
+          <p:cNvPicPr>
+            <a:picLocks noChangeAspect="1"/>
+          </p:cNvPicPr>
+          <p:nvPr/>
+        </p:nvPicPr>
+        <p:blipFill>
+          <a:blip r:embed="rId2">
+            <a:extLst>
+              <a:ext uri="{28A0092B-C50C-407E-A947-70E740481C1C}">
+                <a14:useLocalDpi xmlns:a14="http://schemas.microsoft.com/office/drawing/2010/main" val="0"/>
+              </a:ext>
+            </a:extLst>
+          </a:blip>
+          <a:stretch>
+            <a:fillRect/>
+          </a:stretch>
+        </p:blipFill>
+        <p:spPr>
+          <a:xfrm>
+            <a:off x="11224704" y="5903650"/>
+            <a:ext cx="777166" cy="777166"/>
+          </a:xfrm>
+          <a:prstGeom prst="rect">
+            <a:avLst/>
+          </a:prstGeom>
+        </p:spPr>
+      </p:pic>
     </p:spTree>
     <p:extLst>
       <p:ext uri="{BB962C8B-B14F-4D97-AF65-F5344CB8AC3E}">

--- a/PyCasino.pptx
+++ b/PyCasino.pptx
@@ -4365,7 +4365,7 @@
             </a:pPr>
             <a:r>
               <a:rPr lang="ru-RU" dirty="0"/>
-              <a:t>Обновление – ЧЗХ Вагнер</a:t>
+              <a:t>Обновления – ЧЗХ Вагнер</a:t>
             </a:r>
           </a:p>
         </p:txBody>
